--- a/DevOps Engineer  Assignment.pptx
+++ b/DevOps Engineer  Assignment.pptx
@@ -12,8 +12,11 @@
     <p:sldId id="268" r:id="rId9"/>
     <p:sldId id="266" r:id="rId10"/>
     <p:sldId id="260" r:id="rId11"/>
-    <p:sldId id="270" r:id="rId12"/>
-    <p:sldId id="271" r:id="rId13"/>
+    <p:sldId id="271" r:id="rId12"/>
+    <p:sldId id="272" r:id="rId13"/>
+    <p:sldId id="274" r:id="rId14"/>
+    <p:sldId id="273" r:id="rId15"/>
+    <p:sldId id="275" r:id="rId16"/>
   </p:sldIdLst>
   <p:sldSz cx="12192000" cy="6858000"/>
   <p:notesSz cx="6858000" cy="9144000"/>
@@ -251,7 +254,7 @@
           <a:p>
             <a:fld id="{4F1266FC-A397-463D-8409-0B72759AFB73}" type="datetimeFigureOut">
               <a:rPr lang="en-US" smtClean="0"/>
-              <a:t>11/26/2020</a:t>
+              <a:t>12/1/2020</a:t>
             </a:fld>
             <a:endParaRPr lang="en-US"/>
           </a:p>
@@ -421,7 +424,7 @@
           <a:p>
             <a:fld id="{4F1266FC-A397-463D-8409-0B72759AFB73}" type="datetimeFigureOut">
               <a:rPr lang="en-US" smtClean="0"/>
-              <a:t>11/26/2020</a:t>
+              <a:t>12/1/2020</a:t>
             </a:fld>
             <a:endParaRPr lang="en-US"/>
           </a:p>
@@ -601,7 +604,7 @@
           <a:p>
             <a:fld id="{4F1266FC-A397-463D-8409-0B72759AFB73}" type="datetimeFigureOut">
               <a:rPr lang="en-US" smtClean="0"/>
-              <a:t>11/26/2020</a:t>
+              <a:t>12/1/2020</a:t>
             </a:fld>
             <a:endParaRPr lang="en-US"/>
           </a:p>
@@ -771,7 +774,7 @@
           <a:p>
             <a:fld id="{4F1266FC-A397-463D-8409-0B72759AFB73}" type="datetimeFigureOut">
               <a:rPr lang="en-US" smtClean="0"/>
-              <a:t>11/26/2020</a:t>
+              <a:t>12/1/2020</a:t>
             </a:fld>
             <a:endParaRPr lang="en-US"/>
           </a:p>
@@ -1017,7 +1020,7 @@
           <a:p>
             <a:fld id="{4F1266FC-A397-463D-8409-0B72759AFB73}" type="datetimeFigureOut">
               <a:rPr lang="en-US" smtClean="0"/>
-              <a:t>11/26/2020</a:t>
+              <a:t>12/1/2020</a:t>
             </a:fld>
             <a:endParaRPr lang="en-US"/>
           </a:p>
@@ -1249,7 +1252,7 @@
           <a:p>
             <a:fld id="{4F1266FC-A397-463D-8409-0B72759AFB73}" type="datetimeFigureOut">
               <a:rPr lang="en-US" smtClean="0"/>
-              <a:t>11/26/2020</a:t>
+              <a:t>12/1/2020</a:t>
             </a:fld>
             <a:endParaRPr lang="en-US"/>
           </a:p>
@@ -1616,7 +1619,7 @@
           <a:p>
             <a:fld id="{4F1266FC-A397-463D-8409-0B72759AFB73}" type="datetimeFigureOut">
               <a:rPr lang="en-US" smtClean="0"/>
-              <a:t>11/26/2020</a:t>
+              <a:t>12/1/2020</a:t>
             </a:fld>
             <a:endParaRPr lang="en-US"/>
           </a:p>
@@ -1734,7 +1737,7 @@
           <a:p>
             <a:fld id="{4F1266FC-A397-463D-8409-0B72759AFB73}" type="datetimeFigureOut">
               <a:rPr lang="en-US" smtClean="0"/>
-              <a:t>11/26/2020</a:t>
+              <a:t>12/1/2020</a:t>
             </a:fld>
             <a:endParaRPr lang="en-US"/>
           </a:p>
@@ -1829,7 +1832,7 @@
           <a:p>
             <a:fld id="{4F1266FC-A397-463D-8409-0B72759AFB73}" type="datetimeFigureOut">
               <a:rPr lang="en-US" smtClean="0"/>
-              <a:t>11/26/2020</a:t>
+              <a:t>12/1/2020</a:t>
             </a:fld>
             <a:endParaRPr lang="en-US"/>
           </a:p>
@@ -2106,7 +2109,7 @@
           <a:p>
             <a:fld id="{4F1266FC-A397-463D-8409-0B72759AFB73}" type="datetimeFigureOut">
               <a:rPr lang="en-US" smtClean="0"/>
-              <a:t>11/26/2020</a:t>
+              <a:t>12/1/2020</a:t>
             </a:fld>
             <a:endParaRPr lang="en-US"/>
           </a:p>
@@ -2359,7 +2362,7 @@
           <a:p>
             <a:fld id="{4F1266FC-A397-463D-8409-0B72759AFB73}" type="datetimeFigureOut">
               <a:rPr lang="en-US" smtClean="0"/>
-              <a:t>11/26/2020</a:t>
+              <a:t>12/1/2020</a:t>
             </a:fld>
             <a:endParaRPr lang="en-US"/>
           </a:p>
@@ -2572,7 +2575,7 @@
           <a:p>
             <a:fld id="{4F1266FC-A397-463D-8409-0B72759AFB73}" type="datetimeFigureOut">
               <a:rPr lang="en-US" smtClean="0"/>
-              <a:t>11/26/2020</a:t>
+              <a:t>12/1/2020</a:t>
             </a:fld>
             <a:endParaRPr lang="en-US"/>
           </a:p>
@@ -3096,7 +3099,7 @@
 </p:sld>
 </file>
 
-<file path=ppt/slides/slide2.xml><?xml version="1.0" encoding="utf-8"?>
+<file path=ppt/slides/slide10.xml><?xml version="1.0" encoding="utf-8"?>
 <p:sld xmlns:a="http://schemas.openxmlformats.org/drawingml/2006/main" xmlns:r="http://schemas.openxmlformats.org/officeDocument/2006/relationships" xmlns:p="http://schemas.openxmlformats.org/presentationml/2006/main">
   <p:cSld>
     <p:spTree>
@@ -3113,79 +3116,39 @@
           <a:chExt cx="0" cy="0"/>
         </a:xfrm>
       </p:grpSpPr>
-      <p:sp>
-        <p:nvSpPr>
-          <p:cNvPr id="2" name="Title 1"/>
-          <p:cNvSpPr>
-            <a:spLocks noGrp="1"/>
-          </p:cNvSpPr>
-          <p:nvPr>
-            <p:ph type="title"/>
-          </p:nvPr>
-        </p:nvSpPr>
+      <p:pic>
+        <p:nvPicPr>
+          <p:cNvPr id="4" name="Content Placeholder 3"/>
+          <p:cNvPicPr>
+            <a:picLocks noGrp="1" noChangeAspect="1"/>
+          </p:cNvPicPr>
+          <p:nvPr>
+            <p:ph idx="1"/>
+          </p:nvPr>
+        </p:nvPicPr>
+        <p:blipFill>
+          <a:blip r:embed="rId2">
+            <a:extLst>
+              <a:ext uri="{28A0092B-C50C-407E-A947-70E740481C1C}">
+                <a14:useLocalDpi xmlns:a14="http://schemas.microsoft.com/office/drawing/2010/main" val="0"/>
+              </a:ext>
+            </a:extLst>
+          </a:blip>
+          <a:stretch>
+            <a:fillRect/>
+          </a:stretch>
+        </p:blipFill>
         <p:spPr>
           <a:xfrm>
-            <a:off x="838200" y="265734"/>
-            <a:ext cx="10515600" cy="1325563"/>
+            <a:off x="508960" y="576470"/>
+            <a:ext cx="8958890" cy="5491749"/>
           </a:xfrm>
         </p:spPr>
-        <p:txBody>
-          <a:bodyPr/>
-          <a:lstStyle/>
-          <a:p>
-            <a:r>
-              <a:rPr lang="en-US" dirty="0" smtClean="0"/>
-              <a:t>Assignment description</a:t>
-            </a:r>
-            <a:endParaRPr lang="en-US" dirty="0"/>
-          </a:p>
-        </p:txBody>
-      </p:sp>
-      <p:sp>
-        <p:nvSpPr>
-          <p:cNvPr id="3" name="Content Placeholder 2"/>
-          <p:cNvSpPr>
-            <a:spLocks noGrp="1"/>
-          </p:cNvSpPr>
-          <p:nvPr>
-            <p:ph idx="1"/>
-          </p:nvPr>
-        </p:nvSpPr>
-        <p:spPr>
-          <a:xfrm>
-            <a:off x="838200" y="1875321"/>
-            <a:ext cx="10515600" cy="4351338"/>
-          </a:xfrm>
-        </p:spPr>
-        <p:txBody>
-          <a:bodyPr>
-            <a:normAutofit fontScale="92500" lnSpcReduction="10000"/>
-          </a:bodyPr>
-          <a:lstStyle/>
-          <a:p>
-            <a:pPr marL="0" indent="0">
-              <a:buNone/>
-            </a:pPr>
-            <a:endParaRPr lang="en-US" dirty="0"/>
-          </a:p>
-          <a:p>
-            <a:r>
-              <a:rPr lang="en-US" dirty="0"/>
-              <a:t> A development team developing a billing application, one of the releases contain a change which will have huge impact on the application performance and the product owner want this release as fast as possible, in order to deliver this release it took around 3 working days after they finished the coding (exceeded the scheduled date by 3 days) in order to integrate the code, checking its quality, proceed in the testing phase and then deploy it. </a:t>
-            </a:r>
-          </a:p>
-          <a:p>
-            <a:r>
-              <a:rPr lang="en-US" dirty="0"/>
-              <a:t>You are the deployment geek who is responsible to deploy this application on the targeted environment and you didn’t like the fact that they spent 3 days to get their application ready to be deployed and you want to convince them to transform to the DevOps methodology </a:t>
-            </a:r>
-          </a:p>
-        </p:txBody>
-      </p:sp>
+      </p:pic>
     </p:spTree>
     <p:extLst>
       <p:ext uri="{BB962C8B-B14F-4D97-AF65-F5344CB8AC3E}">
-        <p14:creationId xmlns:p14="http://schemas.microsoft.com/office/powerpoint/2010/main" val="2990862072"/>
+        <p14:creationId xmlns:p14="http://schemas.microsoft.com/office/powerpoint/2010/main" val="4275287228"/>
       </p:ext>
     </p:extLst>
   </p:cSld>
@@ -3195,7 +3158,7 @@
 </p:sld>
 </file>
 
-<file path=ppt/slides/slide3.xml><?xml version="1.0" encoding="utf-8"?>
+<file path=ppt/slides/slide11.xml><?xml version="1.0" encoding="utf-8"?>
 <p:sld xmlns:a="http://schemas.openxmlformats.org/drawingml/2006/main" xmlns:r="http://schemas.openxmlformats.org/officeDocument/2006/relationships" xmlns:p="http://schemas.openxmlformats.org/presentationml/2006/main">
   <p:cSld>
     <p:spTree>
@@ -3212,135 +3175,39 @@
           <a:chExt cx="0" cy="0"/>
         </a:xfrm>
       </p:grpSpPr>
-      <p:sp>
-        <p:nvSpPr>
-          <p:cNvPr id="2" name="Title 1"/>
-          <p:cNvSpPr>
-            <a:spLocks noGrp="1"/>
-          </p:cNvSpPr>
-          <p:nvPr>
-            <p:ph type="title"/>
-          </p:nvPr>
-        </p:nvSpPr>
-        <p:spPr/>
-        <p:txBody>
-          <a:bodyPr/>
-          <a:lstStyle/>
-          <a:p>
-            <a:r>
-              <a:rPr lang="en-US" dirty="0" smtClean="0"/>
-              <a:t>Requirements</a:t>
-            </a:r>
-            <a:endParaRPr lang="en-US" dirty="0"/>
-          </a:p>
-        </p:txBody>
-      </p:sp>
-      <p:sp>
-        <p:nvSpPr>
-          <p:cNvPr id="3" name="Content Placeholder 2"/>
-          <p:cNvSpPr>
-            <a:spLocks noGrp="1"/>
-          </p:cNvSpPr>
+      <p:pic>
+        <p:nvPicPr>
+          <p:cNvPr id="4" name="Content Placeholder 3"/>
+          <p:cNvPicPr>
+            <a:picLocks noGrp="1" noChangeAspect="1"/>
+          </p:cNvPicPr>
           <p:nvPr>
             <p:ph idx="1"/>
           </p:nvPr>
-        </p:nvSpPr>
+        </p:nvPicPr>
+        <p:blipFill>
+          <a:blip r:embed="rId2">
+            <a:extLst>
+              <a:ext uri="{28A0092B-C50C-407E-A947-70E740481C1C}">
+                <a14:useLocalDpi xmlns:a14="http://schemas.microsoft.com/office/drawing/2010/main" val="0"/>
+              </a:ext>
+            </a:extLst>
+          </a:blip>
+          <a:stretch>
+            <a:fillRect/>
+          </a:stretch>
+        </p:blipFill>
         <p:spPr>
           <a:xfrm>
-            <a:off x="626165" y="1560443"/>
-            <a:ext cx="10727635" cy="4616520"/>
+            <a:off x="314432" y="0"/>
+            <a:ext cx="11473377" cy="6453775"/>
           </a:xfrm>
         </p:spPr>
-        <p:txBody>
-          <a:bodyPr>
-            <a:normAutofit fontScale="62500" lnSpcReduction="20000"/>
-          </a:bodyPr>
-          <a:lstStyle/>
-          <a:p>
-            <a:pPr marL="0" indent="0">
-              <a:buNone/>
-            </a:pPr>
-            <a:r>
-              <a:rPr lang="en-US" dirty="0" smtClean="0"/>
-              <a:t> </a:t>
-            </a:r>
-            <a:endParaRPr lang="en-US" dirty="0"/>
-          </a:p>
-          <a:p>
-            <a:r>
-              <a:rPr lang="en-US" sz="2900" dirty="0"/>
-              <a:t>1. What are the steps you are going to take to lead this transformation? a. Provide a presentation explaining the steps/milestones taking into consideration that the development team is not familiar with the DevOps methodology. </a:t>
-            </a:r>
-          </a:p>
-          <a:p>
-            <a:endParaRPr lang="en-US" sz="2900" dirty="0"/>
-          </a:p>
-          <a:p>
-            <a:r>
-              <a:rPr lang="en-US" sz="2900" dirty="0"/>
-              <a:t>2. Imagine that you convinced them, they agreed to transform, and you have been asked to get the DevOps platform ready: a. Implement and configure secure Kubernetes cluster on AWS using infrastructure as a code. </a:t>
-            </a:r>
-          </a:p>
-          <a:p>
-            <a:r>
-              <a:rPr lang="en-US" sz="2900" dirty="0"/>
-              <a:t>b. Implement the needed DevOps tools to create CICD pipeline (Jenkins, </a:t>
-            </a:r>
-            <a:r>
-              <a:rPr lang="en-US" sz="2900" dirty="0" err="1"/>
-              <a:t>SonarQube</a:t>
-            </a:r>
-            <a:r>
-              <a:rPr lang="en-US" sz="2900" dirty="0"/>
-              <a:t>, Nexus, etc. ...) using </a:t>
-            </a:r>
-            <a:r>
-              <a:rPr lang="en-US" sz="2900" dirty="0" err="1"/>
-              <a:t>ansible</a:t>
-            </a:r>
-            <a:r>
-              <a:rPr lang="en-US" sz="2900" dirty="0"/>
-              <a:t> or any other configuration management tool on the created k8s cluster. </a:t>
-            </a:r>
-          </a:p>
-          <a:p>
-            <a:r>
-              <a:rPr lang="en-US" sz="2900" dirty="0"/>
-              <a:t>c. Implement a CICD pipeline for any application using the tools and the platform implemented from the previous steps this pipeline should be using groovy scripting Jenkins file. </a:t>
-            </a:r>
-          </a:p>
-          <a:p>
-            <a:endParaRPr lang="en-US" sz="2900" dirty="0"/>
-          </a:p>
-          <a:p>
-            <a:endParaRPr lang="en-US" sz="2900" dirty="0"/>
-          </a:p>
-          <a:p>
-            <a:r>
-              <a:rPr lang="en-US" sz="2900" dirty="0"/>
-              <a:t>Additional notes: </a:t>
-            </a:r>
-          </a:p>
-          <a:p>
-            <a:r>
-              <a:rPr lang="en-US" sz="2900" dirty="0"/>
-              <a:t>For the second requirement please provide the </a:t>
-            </a:r>
-            <a:r>
-              <a:rPr lang="en-US" sz="2900" dirty="0" err="1"/>
-              <a:t>git</a:t>
-            </a:r>
-            <a:r>
-              <a:rPr lang="en-US" sz="2900" dirty="0"/>
-              <a:t> repo with detailed readme file describing the steps and a presentation showing how you implemented the solution. </a:t>
-            </a:r>
-          </a:p>
-        </p:txBody>
-      </p:sp>
+      </p:pic>
     </p:spTree>
     <p:extLst>
       <p:ext uri="{BB962C8B-B14F-4D97-AF65-F5344CB8AC3E}">
-        <p14:creationId xmlns:p14="http://schemas.microsoft.com/office/powerpoint/2010/main" val="2827385634"/>
+        <p14:creationId xmlns:p14="http://schemas.microsoft.com/office/powerpoint/2010/main" val="4213244349"/>
       </p:ext>
     </p:extLst>
   </p:cSld>
@@ -3350,7 +3217,7 @@
 </p:sld>
 </file>
 
-<file path=ppt/slides/slide4.xml><?xml version="1.0" encoding="utf-8"?>
+<file path=ppt/slides/slide12.xml><?xml version="1.0" encoding="utf-8"?>
 <p:sld xmlns:a="http://schemas.openxmlformats.org/drawingml/2006/main" xmlns:r="http://schemas.openxmlformats.org/officeDocument/2006/relationships" xmlns:p="http://schemas.openxmlformats.org/presentationml/2006/main">
   <p:cSld>
     <p:spTree>
@@ -3377,371 +3244,6 @@
             <p:ph type="title"/>
           </p:nvPr>
         </p:nvSpPr>
-        <p:spPr/>
-        <p:txBody>
-          <a:bodyPr/>
-          <a:lstStyle/>
-          <a:p>
-            <a:r>
-              <a:rPr lang="en-US" dirty="0" smtClean="0"/>
-              <a:t>Waterfall vs Agile methodology</a:t>
-            </a:r>
-            <a:endParaRPr lang="en-US" dirty="0"/>
-          </a:p>
-        </p:txBody>
-      </p:sp>
-      <p:pic>
-        <p:nvPicPr>
-          <p:cNvPr id="6" name="Content Placeholder 5"/>
-          <p:cNvPicPr>
-            <a:picLocks noGrp="1" noChangeAspect="1"/>
-          </p:cNvPicPr>
-          <p:nvPr>
-            <p:ph idx="1"/>
-          </p:nvPr>
-        </p:nvPicPr>
-        <p:blipFill>
-          <a:blip r:embed="rId2">
-            <a:extLst>
-              <a:ext uri="{28A0092B-C50C-407E-A947-70E740481C1C}">
-                <a14:useLocalDpi xmlns:a14="http://schemas.microsoft.com/office/drawing/2010/main" val="0"/>
-              </a:ext>
-            </a:extLst>
-          </a:blip>
-          <a:stretch>
-            <a:fillRect/>
-          </a:stretch>
-        </p:blipFill>
-        <p:spPr>
-          <a:xfrm>
-            <a:off x="980547" y="1977888"/>
-            <a:ext cx="11075617" cy="4380938"/>
-          </a:xfrm>
-        </p:spPr>
-      </p:pic>
-    </p:spTree>
-    <p:extLst>
-      <p:ext uri="{BB962C8B-B14F-4D97-AF65-F5344CB8AC3E}">
-        <p14:creationId xmlns:p14="http://schemas.microsoft.com/office/powerpoint/2010/main" val="1330395977"/>
-      </p:ext>
-    </p:extLst>
-  </p:cSld>
-  <p:clrMapOvr>
-    <a:masterClrMapping/>
-  </p:clrMapOvr>
-</p:sld>
-</file>
-
-<file path=ppt/slides/slide5.xml><?xml version="1.0" encoding="utf-8"?>
-<p:sld xmlns:a="http://schemas.openxmlformats.org/drawingml/2006/main" xmlns:r="http://schemas.openxmlformats.org/officeDocument/2006/relationships" xmlns:p="http://schemas.openxmlformats.org/presentationml/2006/main">
-  <p:cSld>
-    <p:spTree>
-      <p:nvGrpSpPr>
-        <p:cNvPr id="1" name=""/>
-        <p:cNvGrpSpPr/>
-        <p:nvPr/>
-      </p:nvGrpSpPr>
-      <p:grpSpPr>
-        <a:xfrm>
-          <a:off x="0" y="0"/>
-          <a:ext cx="0" cy="0"/>
-          <a:chOff x="0" y="0"/>
-          <a:chExt cx="0" cy="0"/>
-        </a:xfrm>
-      </p:grpSpPr>
-      <p:sp>
-        <p:nvSpPr>
-          <p:cNvPr id="2" name="Title 1"/>
-          <p:cNvSpPr>
-            <a:spLocks noGrp="1"/>
-          </p:cNvSpPr>
-          <p:nvPr>
-            <p:ph type="title"/>
-          </p:nvPr>
-        </p:nvSpPr>
-        <p:spPr/>
-        <p:txBody>
-          <a:bodyPr/>
-          <a:lstStyle/>
-          <a:p>
-            <a:r>
-              <a:rPr lang="en-US" dirty="0" smtClean="0"/>
-              <a:t>Sprint</a:t>
-            </a:r>
-            <a:endParaRPr lang="en-US" dirty="0"/>
-          </a:p>
-        </p:txBody>
-      </p:sp>
-      <p:pic>
-        <p:nvPicPr>
-          <p:cNvPr id="5" name="Content Placeholder 4"/>
-          <p:cNvPicPr>
-            <a:picLocks noGrp="1" noChangeAspect="1"/>
-          </p:cNvPicPr>
-          <p:nvPr>
-            <p:ph idx="1"/>
-          </p:nvPr>
-        </p:nvPicPr>
-        <p:blipFill>
-          <a:blip r:embed="rId2">
-            <a:extLst>
-              <a:ext uri="{28A0092B-C50C-407E-A947-70E740481C1C}">
-                <a14:useLocalDpi xmlns:a14="http://schemas.microsoft.com/office/drawing/2010/main" val="0"/>
-              </a:ext>
-            </a:extLst>
-          </a:blip>
-          <a:stretch>
-            <a:fillRect/>
-          </a:stretch>
-        </p:blipFill>
-        <p:spPr bwMode="auto">
-          <a:xfrm>
-            <a:off x="2027583" y="1803089"/>
-            <a:ext cx="8625509" cy="4312755"/>
-          </a:xfrm>
-          <a:prstGeom prst="rect">
-            <a:avLst/>
-          </a:prstGeom>
-          <a:noFill/>
-          <a:extLst>
-            <a:ext uri="{909E8E84-426E-40DD-AFC4-6F175D3DCCD1}">
-              <a14:hiddenFill xmlns:a14="http://schemas.microsoft.com/office/drawing/2010/main">
-                <a:solidFill>
-                  <a:srgbClr val="FFFFFF"/>
-                </a:solidFill>
-              </a14:hiddenFill>
-            </a:ext>
-          </a:extLst>
-        </p:spPr>
-      </p:pic>
-    </p:spTree>
-    <p:extLst>
-      <p:ext uri="{BB962C8B-B14F-4D97-AF65-F5344CB8AC3E}">
-        <p14:creationId xmlns:p14="http://schemas.microsoft.com/office/powerpoint/2010/main" val="2765736349"/>
-      </p:ext>
-    </p:extLst>
-  </p:cSld>
-  <p:clrMapOvr>
-    <a:masterClrMapping/>
-  </p:clrMapOvr>
-</p:sld>
-</file>
-
-<file path=ppt/slides/slide6.xml><?xml version="1.0" encoding="utf-8"?>
-<p:sld xmlns:a="http://schemas.openxmlformats.org/drawingml/2006/main" xmlns:r="http://schemas.openxmlformats.org/officeDocument/2006/relationships" xmlns:p="http://schemas.openxmlformats.org/presentationml/2006/main">
-  <p:cSld>
-    <p:spTree>
-      <p:nvGrpSpPr>
-        <p:cNvPr id="1" name=""/>
-        <p:cNvGrpSpPr/>
-        <p:nvPr/>
-      </p:nvGrpSpPr>
-      <p:grpSpPr>
-        <a:xfrm>
-          <a:off x="0" y="0"/>
-          <a:ext cx="0" cy="0"/>
-          <a:chOff x="0" y="0"/>
-          <a:chExt cx="0" cy="0"/>
-        </a:xfrm>
-      </p:grpSpPr>
-      <p:sp>
-        <p:nvSpPr>
-          <p:cNvPr id="2" name="Title 1"/>
-          <p:cNvSpPr>
-            <a:spLocks noGrp="1"/>
-          </p:cNvSpPr>
-          <p:nvPr>
-            <p:ph type="title"/>
-          </p:nvPr>
-        </p:nvSpPr>
-        <p:spPr/>
-        <p:txBody>
-          <a:bodyPr/>
-          <a:lstStyle/>
-          <a:p>
-            <a:r>
-              <a:rPr lang="en-US" dirty="0" smtClean="0"/>
-              <a:t>DevOps methodology</a:t>
-            </a:r>
-            <a:endParaRPr lang="en-US" dirty="0"/>
-          </a:p>
-        </p:txBody>
-      </p:sp>
-      <p:pic>
-        <p:nvPicPr>
-          <p:cNvPr id="4" name="Content Placeholder 3"/>
-          <p:cNvPicPr>
-            <a:picLocks noGrp="1" noChangeAspect="1"/>
-          </p:cNvPicPr>
-          <p:nvPr>
-            <p:ph idx="1"/>
-          </p:nvPr>
-        </p:nvPicPr>
-        <p:blipFill>
-          <a:blip r:embed="rId2">
-            <a:extLst>
-              <a:ext uri="{28A0092B-C50C-407E-A947-70E740481C1C}">
-                <a14:useLocalDpi xmlns:a14="http://schemas.microsoft.com/office/drawing/2010/main" val="0"/>
-              </a:ext>
-            </a:extLst>
-          </a:blip>
-          <a:stretch>
-            <a:fillRect/>
-          </a:stretch>
-        </p:blipFill>
-        <p:spPr>
-          <a:xfrm>
-            <a:off x="1868377" y="1825625"/>
-            <a:ext cx="8455246" cy="4351338"/>
-          </a:xfrm>
-        </p:spPr>
-      </p:pic>
-    </p:spTree>
-    <p:extLst>
-      <p:ext uri="{BB962C8B-B14F-4D97-AF65-F5344CB8AC3E}">
-        <p14:creationId xmlns:p14="http://schemas.microsoft.com/office/powerpoint/2010/main" val="2087592796"/>
-      </p:ext>
-    </p:extLst>
-  </p:cSld>
-  <p:clrMapOvr>
-    <a:masterClrMapping/>
-  </p:clrMapOvr>
-</p:sld>
-</file>
-
-<file path=ppt/slides/slide7.xml><?xml version="1.0" encoding="utf-8"?>
-<p:sld xmlns:a="http://schemas.openxmlformats.org/drawingml/2006/main" xmlns:r="http://schemas.openxmlformats.org/officeDocument/2006/relationships" xmlns:p="http://schemas.openxmlformats.org/presentationml/2006/main">
-  <p:cSld>
-    <p:spTree>
-      <p:nvGrpSpPr>
-        <p:cNvPr id="1" name=""/>
-        <p:cNvGrpSpPr/>
-        <p:nvPr/>
-      </p:nvGrpSpPr>
-      <p:grpSpPr>
-        <a:xfrm>
-          <a:off x="0" y="0"/>
-          <a:ext cx="0" cy="0"/>
-          <a:chOff x="0" y="0"/>
-          <a:chExt cx="0" cy="0"/>
-        </a:xfrm>
-      </p:grpSpPr>
-      <p:sp>
-        <p:nvSpPr>
-          <p:cNvPr id="2" name="Title 1"/>
-          <p:cNvSpPr>
-            <a:spLocks noGrp="1"/>
-          </p:cNvSpPr>
-          <p:nvPr>
-            <p:ph type="title"/>
-          </p:nvPr>
-        </p:nvSpPr>
-        <p:spPr/>
-        <p:txBody>
-          <a:bodyPr/>
-          <a:lstStyle/>
-          <a:p>
-            <a:endParaRPr lang="en-US"/>
-          </a:p>
-        </p:txBody>
-      </p:sp>
-      <p:sp>
-        <p:nvSpPr>
-          <p:cNvPr id="3" name="Content Placeholder 2"/>
-          <p:cNvSpPr>
-            <a:spLocks noGrp="1"/>
-          </p:cNvSpPr>
-          <p:nvPr>
-            <p:ph idx="1"/>
-          </p:nvPr>
-        </p:nvSpPr>
-        <p:spPr/>
-        <p:txBody>
-          <a:bodyPr/>
-          <a:lstStyle/>
-          <a:p>
-            <a:r>
-              <a:rPr lang="en-US" dirty="0" smtClean="0"/>
-              <a:t>So we will use DevOps methodology in order </a:t>
-            </a:r>
-            <a:r>
-              <a:rPr lang="en-US" dirty="0"/>
-              <a:t>to decrease human </a:t>
-            </a:r>
-            <a:r>
-              <a:rPr lang="en-US" dirty="0" smtClean="0"/>
-              <a:t>intervention so will avoid mistakes</a:t>
-            </a:r>
-          </a:p>
-          <a:p>
-            <a:r>
-              <a:rPr lang="en-US" dirty="0" smtClean="0"/>
-              <a:t>improve the quality and speed</a:t>
-            </a:r>
-          </a:p>
-          <a:p>
-            <a:r>
-              <a:rPr lang="en-US" dirty="0" smtClean="0"/>
-              <a:t>We will integrate </a:t>
-            </a:r>
-            <a:r>
-              <a:rPr lang="en-US" dirty="0" err="1" smtClean="0"/>
-              <a:t>devops</a:t>
-            </a:r>
-            <a:r>
-              <a:rPr lang="en-US" dirty="0" smtClean="0"/>
-              <a:t> tools together </a:t>
-            </a:r>
-          </a:p>
-          <a:p>
-            <a:r>
-              <a:rPr lang="en-US" dirty="0"/>
-              <a:t>It aims to shorten the systems development life cycle and provide continuous delivery with high software quality</a:t>
-            </a:r>
-            <a:endParaRPr lang="en-US" dirty="0"/>
-          </a:p>
-        </p:txBody>
-      </p:sp>
-    </p:spTree>
-    <p:extLst>
-      <p:ext uri="{BB962C8B-B14F-4D97-AF65-F5344CB8AC3E}">
-        <p14:creationId xmlns:p14="http://schemas.microsoft.com/office/powerpoint/2010/main" val="45936125"/>
-      </p:ext>
-    </p:extLst>
-  </p:cSld>
-  <p:clrMapOvr>
-    <a:masterClrMapping/>
-  </p:clrMapOvr>
-</p:sld>
-</file>
-
-<file path=ppt/slides/slide8.xml><?xml version="1.0" encoding="utf-8"?>
-<p:sld xmlns:a="http://schemas.openxmlformats.org/drawingml/2006/main" xmlns:r="http://schemas.openxmlformats.org/officeDocument/2006/relationships" xmlns:p="http://schemas.openxmlformats.org/presentationml/2006/main">
-  <p:cSld>
-    <p:spTree>
-      <p:nvGrpSpPr>
-        <p:cNvPr id="1" name=""/>
-        <p:cNvGrpSpPr/>
-        <p:nvPr/>
-      </p:nvGrpSpPr>
-      <p:grpSpPr>
-        <a:xfrm>
-          <a:off x="0" y="0"/>
-          <a:ext cx="0" cy="0"/>
-          <a:chOff x="0" y="0"/>
-          <a:chExt cx="0" cy="0"/>
-        </a:xfrm>
-      </p:grpSpPr>
-      <p:sp>
-        <p:nvSpPr>
-          <p:cNvPr id="2" name="Title 1"/>
-          <p:cNvSpPr>
-            <a:spLocks noGrp="1"/>
-          </p:cNvSpPr>
-          <p:nvPr>
-            <p:ph type="title"/>
-          </p:nvPr>
-        </p:nvSpPr>
         <p:spPr>
           <a:xfrm>
             <a:off x="1490870" y="365126"/>
@@ -3767,11 +3269,7 @@
             <a:graphicFrameLocks noGrp="1"/>
           </p:cNvGraphicFramePr>
           <p:nvPr>
-            <p:extLst>
-              <p:ext uri="{D42A27DB-BD31-4B8C-83A1-F6EECF244321}">
-                <p14:modId xmlns:p14="http://schemas.microsoft.com/office/powerpoint/2010/main" val="4250844180"/>
-              </p:ext>
-            </p:extLst>
+            <p:extLst/>
           </p:nvPr>
         </p:nvGraphicFramePr>
         <p:xfrm>
@@ -4069,11 +3567,7 @@
             <a:graphicFrameLocks noGrp="1"/>
           </p:cNvGraphicFramePr>
           <p:nvPr>
-            <p:extLst>
-              <p:ext uri="{D42A27DB-BD31-4B8C-83A1-F6EECF244321}">
-                <p14:modId xmlns:p14="http://schemas.microsoft.com/office/powerpoint/2010/main" val="1661950115"/>
-              </p:ext>
-            </p:extLst>
+            <p:extLst/>
           </p:nvPr>
         </p:nvGraphicFramePr>
         <p:xfrm>
@@ -4142,7 +3636,798 @@
     </p:spTree>
     <p:extLst>
       <p:ext uri="{BB962C8B-B14F-4D97-AF65-F5344CB8AC3E}">
-        <p14:creationId xmlns:p14="http://schemas.microsoft.com/office/powerpoint/2010/main" val="1654432266"/>
+        <p14:creationId xmlns:p14="http://schemas.microsoft.com/office/powerpoint/2010/main" val="691320321"/>
+      </p:ext>
+    </p:extLst>
+  </p:cSld>
+  <p:clrMapOvr>
+    <a:masterClrMapping/>
+  </p:clrMapOvr>
+</p:sld>
+</file>
+
+<file path=ppt/slides/slide2.xml><?xml version="1.0" encoding="utf-8"?>
+<p:sld xmlns:a="http://schemas.openxmlformats.org/drawingml/2006/main" xmlns:r="http://schemas.openxmlformats.org/officeDocument/2006/relationships" xmlns:p="http://schemas.openxmlformats.org/presentationml/2006/main">
+  <p:cSld>
+    <p:spTree>
+      <p:nvGrpSpPr>
+        <p:cNvPr id="1" name=""/>
+        <p:cNvGrpSpPr/>
+        <p:nvPr/>
+      </p:nvGrpSpPr>
+      <p:grpSpPr>
+        <a:xfrm>
+          <a:off x="0" y="0"/>
+          <a:ext cx="0" cy="0"/>
+          <a:chOff x="0" y="0"/>
+          <a:chExt cx="0" cy="0"/>
+        </a:xfrm>
+      </p:grpSpPr>
+      <p:sp>
+        <p:nvSpPr>
+          <p:cNvPr id="2" name="Title 1"/>
+          <p:cNvSpPr>
+            <a:spLocks noGrp="1"/>
+          </p:cNvSpPr>
+          <p:nvPr>
+            <p:ph type="title"/>
+          </p:nvPr>
+        </p:nvSpPr>
+        <p:spPr>
+          <a:xfrm>
+            <a:off x="1305339" y="633482"/>
+            <a:ext cx="10515600" cy="1325563"/>
+          </a:xfrm>
+        </p:spPr>
+        <p:txBody>
+          <a:bodyPr/>
+          <a:lstStyle/>
+          <a:p>
+            <a:r>
+              <a:rPr lang="en-US" dirty="0" smtClean="0"/>
+              <a:t>Assignment description</a:t>
+            </a:r>
+            <a:endParaRPr lang="en-US" dirty="0"/>
+          </a:p>
+        </p:txBody>
+      </p:sp>
+      <p:sp>
+        <p:nvSpPr>
+          <p:cNvPr id="3" name="Content Placeholder 2"/>
+          <p:cNvSpPr>
+            <a:spLocks noGrp="1"/>
+          </p:cNvSpPr>
+          <p:nvPr>
+            <p:ph idx="1"/>
+          </p:nvPr>
+        </p:nvSpPr>
+        <p:spPr>
+          <a:xfrm>
+            <a:off x="858079" y="1959045"/>
+            <a:ext cx="10515600" cy="4351338"/>
+          </a:xfrm>
+        </p:spPr>
+        <p:txBody>
+          <a:bodyPr>
+            <a:normAutofit fontScale="92500" lnSpcReduction="10000"/>
+          </a:bodyPr>
+          <a:lstStyle/>
+          <a:p>
+            <a:pPr marL="0" indent="0">
+              <a:buNone/>
+            </a:pPr>
+            <a:endParaRPr lang="en-US" dirty="0"/>
+          </a:p>
+          <a:p>
+            <a:r>
+              <a:rPr lang="en-US" dirty="0"/>
+              <a:t> A development team developing a billing application, one of the releases contain a change which will have huge impact on the application performance and the product owner want this release as fast as possible, in order to deliver this release it took around 3 working days after they finished the coding (exceeded the scheduled date by 3 days) in order to integrate the code, checking its quality, proceed in the testing phase and then deploy it. </a:t>
+            </a:r>
+          </a:p>
+          <a:p>
+            <a:r>
+              <a:rPr lang="en-US" dirty="0"/>
+              <a:t>You are the deployment geek who is responsible to deploy this application on the targeted environment and you didn’t like the fact that they spent 3 days to get their application ready to be deployed and you want to convince them to transform to the DevOps methodology </a:t>
+            </a:r>
+          </a:p>
+        </p:txBody>
+      </p:sp>
+    </p:spTree>
+    <p:extLst>
+      <p:ext uri="{BB962C8B-B14F-4D97-AF65-F5344CB8AC3E}">
+        <p14:creationId xmlns:p14="http://schemas.microsoft.com/office/powerpoint/2010/main" val="2990862072"/>
+      </p:ext>
+    </p:extLst>
+  </p:cSld>
+  <p:clrMapOvr>
+    <a:masterClrMapping/>
+  </p:clrMapOvr>
+</p:sld>
+</file>
+
+<file path=ppt/slides/slide3.xml><?xml version="1.0" encoding="utf-8"?>
+<p:sld xmlns:a="http://schemas.openxmlformats.org/drawingml/2006/main" xmlns:r="http://schemas.openxmlformats.org/officeDocument/2006/relationships" xmlns:p="http://schemas.openxmlformats.org/presentationml/2006/main">
+  <p:cSld>
+    <p:spTree>
+      <p:nvGrpSpPr>
+        <p:cNvPr id="1" name=""/>
+        <p:cNvGrpSpPr/>
+        <p:nvPr/>
+      </p:nvGrpSpPr>
+      <p:grpSpPr>
+        <a:xfrm>
+          <a:off x="0" y="0"/>
+          <a:ext cx="0" cy="0"/>
+          <a:chOff x="0" y="0"/>
+          <a:chExt cx="0" cy="0"/>
+        </a:xfrm>
+      </p:grpSpPr>
+      <p:sp>
+        <p:nvSpPr>
+          <p:cNvPr id="2" name="Title 1"/>
+          <p:cNvSpPr>
+            <a:spLocks noGrp="1"/>
+          </p:cNvSpPr>
+          <p:nvPr>
+            <p:ph type="title"/>
+          </p:nvPr>
+        </p:nvSpPr>
+        <p:spPr/>
+        <p:txBody>
+          <a:bodyPr/>
+          <a:lstStyle/>
+          <a:p>
+            <a:r>
+              <a:rPr lang="en-US" dirty="0" smtClean="0"/>
+              <a:t>Requirements</a:t>
+            </a:r>
+            <a:endParaRPr lang="en-US" dirty="0"/>
+          </a:p>
+        </p:txBody>
+      </p:sp>
+      <p:sp>
+        <p:nvSpPr>
+          <p:cNvPr id="3" name="Content Placeholder 2"/>
+          <p:cNvSpPr>
+            <a:spLocks noGrp="1"/>
+          </p:cNvSpPr>
+          <p:nvPr>
+            <p:ph idx="1"/>
+          </p:nvPr>
+        </p:nvSpPr>
+        <p:spPr>
+          <a:xfrm>
+            <a:off x="626165" y="1560443"/>
+            <a:ext cx="10727635" cy="4616520"/>
+          </a:xfrm>
+        </p:spPr>
+        <p:txBody>
+          <a:bodyPr>
+            <a:normAutofit fontScale="62500" lnSpcReduction="20000"/>
+          </a:bodyPr>
+          <a:lstStyle/>
+          <a:p>
+            <a:pPr marL="0" indent="0">
+              <a:buNone/>
+            </a:pPr>
+            <a:r>
+              <a:rPr lang="en-US" dirty="0" smtClean="0"/>
+              <a:t> </a:t>
+            </a:r>
+            <a:endParaRPr lang="en-US" dirty="0"/>
+          </a:p>
+          <a:p>
+            <a:r>
+              <a:rPr lang="en-US" sz="2900" dirty="0"/>
+              <a:t>1. What are the steps you are going to take to lead this transformation? a. Provide a presentation explaining the steps/milestones taking into consideration that the development team is not familiar with the DevOps methodology. </a:t>
+            </a:r>
+          </a:p>
+          <a:p>
+            <a:endParaRPr lang="en-US" sz="2900" dirty="0"/>
+          </a:p>
+          <a:p>
+            <a:r>
+              <a:rPr lang="en-US" sz="2900" dirty="0"/>
+              <a:t>2. Imagine that you convinced them, they agreed to transform, and you have been asked to get the DevOps platform ready: a. Implement and configure secure Kubernetes cluster on AWS using infrastructure as a code. </a:t>
+            </a:r>
+          </a:p>
+          <a:p>
+            <a:r>
+              <a:rPr lang="en-US" sz="2900" dirty="0"/>
+              <a:t>b. Implement the needed DevOps tools to create CICD pipeline (Jenkins, </a:t>
+            </a:r>
+            <a:r>
+              <a:rPr lang="en-US" sz="2900" dirty="0" err="1"/>
+              <a:t>SonarQube</a:t>
+            </a:r>
+            <a:r>
+              <a:rPr lang="en-US" sz="2900" dirty="0"/>
+              <a:t>, Nexus, etc. ...) using </a:t>
+            </a:r>
+            <a:r>
+              <a:rPr lang="en-US" sz="2900" dirty="0" err="1"/>
+              <a:t>ansible</a:t>
+            </a:r>
+            <a:r>
+              <a:rPr lang="en-US" sz="2900" dirty="0"/>
+              <a:t> or any other configuration management tool on the created k8s cluster. </a:t>
+            </a:r>
+          </a:p>
+          <a:p>
+            <a:r>
+              <a:rPr lang="en-US" sz="2900" dirty="0"/>
+              <a:t>c. Implement a CICD pipeline for any application using the tools and the platform implemented from the previous steps this pipeline should be using groovy scripting Jenkins file. </a:t>
+            </a:r>
+          </a:p>
+          <a:p>
+            <a:endParaRPr lang="en-US" sz="2900" dirty="0"/>
+          </a:p>
+          <a:p>
+            <a:endParaRPr lang="en-US" sz="2900" dirty="0"/>
+          </a:p>
+          <a:p>
+            <a:r>
+              <a:rPr lang="en-US" sz="2900" dirty="0"/>
+              <a:t>Additional notes: </a:t>
+            </a:r>
+          </a:p>
+          <a:p>
+            <a:r>
+              <a:rPr lang="en-US" sz="2900" dirty="0"/>
+              <a:t>For the second requirement please provide the </a:t>
+            </a:r>
+            <a:r>
+              <a:rPr lang="en-US" sz="2900" dirty="0" err="1"/>
+              <a:t>git</a:t>
+            </a:r>
+            <a:r>
+              <a:rPr lang="en-US" sz="2900" dirty="0"/>
+              <a:t> repo with detailed readme file describing the steps and a presentation showing how you implemented the solution. </a:t>
+            </a:r>
+          </a:p>
+        </p:txBody>
+      </p:sp>
+    </p:spTree>
+    <p:extLst>
+      <p:ext uri="{BB962C8B-B14F-4D97-AF65-F5344CB8AC3E}">
+        <p14:creationId xmlns:p14="http://schemas.microsoft.com/office/powerpoint/2010/main" val="2827385634"/>
+      </p:ext>
+    </p:extLst>
+  </p:cSld>
+  <p:clrMapOvr>
+    <a:masterClrMapping/>
+  </p:clrMapOvr>
+</p:sld>
+</file>
+
+<file path=ppt/slides/slide4.xml><?xml version="1.0" encoding="utf-8"?>
+<p:sld xmlns:a="http://schemas.openxmlformats.org/drawingml/2006/main" xmlns:r="http://schemas.openxmlformats.org/officeDocument/2006/relationships" xmlns:p="http://schemas.openxmlformats.org/presentationml/2006/main">
+  <p:cSld>
+    <p:spTree>
+      <p:nvGrpSpPr>
+        <p:cNvPr id="1" name=""/>
+        <p:cNvGrpSpPr/>
+        <p:nvPr/>
+      </p:nvGrpSpPr>
+      <p:grpSpPr>
+        <a:xfrm>
+          <a:off x="0" y="0"/>
+          <a:ext cx="0" cy="0"/>
+          <a:chOff x="0" y="0"/>
+          <a:chExt cx="0" cy="0"/>
+        </a:xfrm>
+      </p:grpSpPr>
+      <p:sp>
+        <p:nvSpPr>
+          <p:cNvPr id="2" name="Title 1"/>
+          <p:cNvSpPr>
+            <a:spLocks noGrp="1"/>
+          </p:cNvSpPr>
+          <p:nvPr>
+            <p:ph type="title"/>
+          </p:nvPr>
+        </p:nvSpPr>
+        <p:spPr/>
+        <p:txBody>
+          <a:bodyPr/>
+          <a:lstStyle/>
+          <a:p>
+            <a:r>
+              <a:rPr lang="en-US" dirty="0" smtClean="0"/>
+              <a:t>Waterfall vs Agile methodology</a:t>
+            </a:r>
+            <a:endParaRPr lang="en-US" dirty="0"/>
+          </a:p>
+        </p:txBody>
+      </p:sp>
+      <p:pic>
+        <p:nvPicPr>
+          <p:cNvPr id="6" name="Content Placeholder 5"/>
+          <p:cNvPicPr>
+            <a:picLocks noGrp="1" noChangeAspect="1"/>
+          </p:cNvPicPr>
+          <p:nvPr>
+            <p:ph idx="1"/>
+          </p:nvPr>
+        </p:nvPicPr>
+        <p:blipFill>
+          <a:blip r:embed="rId2">
+            <a:extLst>
+              <a:ext uri="{28A0092B-C50C-407E-A947-70E740481C1C}">
+                <a14:useLocalDpi xmlns:a14="http://schemas.microsoft.com/office/drawing/2010/main" val="0"/>
+              </a:ext>
+            </a:extLst>
+          </a:blip>
+          <a:stretch>
+            <a:fillRect/>
+          </a:stretch>
+        </p:blipFill>
+        <p:spPr>
+          <a:xfrm>
+            <a:off x="980547" y="1977888"/>
+            <a:ext cx="11075617" cy="4380938"/>
+          </a:xfrm>
+        </p:spPr>
+      </p:pic>
+    </p:spTree>
+    <p:extLst>
+      <p:ext uri="{BB962C8B-B14F-4D97-AF65-F5344CB8AC3E}">
+        <p14:creationId xmlns:p14="http://schemas.microsoft.com/office/powerpoint/2010/main" val="1330395977"/>
+      </p:ext>
+    </p:extLst>
+  </p:cSld>
+  <p:clrMapOvr>
+    <a:masterClrMapping/>
+  </p:clrMapOvr>
+</p:sld>
+</file>
+
+<file path=ppt/slides/slide5.xml><?xml version="1.0" encoding="utf-8"?>
+<p:sld xmlns:a="http://schemas.openxmlformats.org/drawingml/2006/main" xmlns:r="http://schemas.openxmlformats.org/officeDocument/2006/relationships" xmlns:p="http://schemas.openxmlformats.org/presentationml/2006/main">
+  <p:cSld>
+    <p:spTree>
+      <p:nvGrpSpPr>
+        <p:cNvPr id="1" name=""/>
+        <p:cNvGrpSpPr/>
+        <p:nvPr/>
+      </p:nvGrpSpPr>
+      <p:grpSpPr>
+        <a:xfrm>
+          <a:off x="0" y="0"/>
+          <a:ext cx="0" cy="0"/>
+          <a:chOff x="0" y="0"/>
+          <a:chExt cx="0" cy="0"/>
+        </a:xfrm>
+      </p:grpSpPr>
+      <p:sp>
+        <p:nvSpPr>
+          <p:cNvPr id="2" name="Title 1"/>
+          <p:cNvSpPr>
+            <a:spLocks noGrp="1"/>
+          </p:cNvSpPr>
+          <p:nvPr>
+            <p:ph type="title"/>
+          </p:nvPr>
+        </p:nvSpPr>
+        <p:spPr/>
+        <p:txBody>
+          <a:bodyPr/>
+          <a:lstStyle/>
+          <a:p>
+            <a:r>
+              <a:rPr lang="en-US" dirty="0" smtClean="0"/>
+              <a:t>Sprint</a:t>
+            </a:r>
+            <a:endParaRPr lang="en-US" dirty="0"/>
+          </a:p>
+        </p:txBody>
+      </p:sp>
+      <p:pic>
+        <p:nvPicPr>
+          <p:cNvPr id="5" name="Content Placeholder 4"/>
+          <p:cNvPicPr>
+            <a:picLocks noGrp="1" noChangeAspect="1"/>
+          </p:cNvPicPr>
+          <p:nvPr>
+            <p:ph idx="1"/>
+          </p:nvPr>
+        </p:nvPicPr>
+        <p:blipFill>
+          <a:blip r:embed="rId2">
+            <a:extLst>
+              <a:ext uri="{28A0092B-C50C-407E-A947-70E740481C1C}">
+                <a14:useLocalDpi xmlns:a14="http://schemas.microsoft.com/office/drawing/2010/main" val="0"/>
+              </a:ext>
+            </a:extLst>
+          </a:blip>
+          <a:stretch>
+            <a:fillRect/>
+          </a:stretch>
+        </p:blipFill>
+        <p:spPr bwMode="auto">
+          <a:xfrm>
+            <a:off x="2027583" y="1803089"/>
+            <a:ext cx="8625509" cy="4312755"/>
+          </a:xfrm>
+          <a:prstGeom prst="rect">
+            <a:avLst/>
+          </a:prstGeom>
+          <a:noFill/>
+          <a:extLst>
+            <a:ext uri="{909E8E84-426E-40DD-AFC4-6F175D3DCCD1}">
+              <a14:hiddenFill xmlns:a14="http://schemas.microsoft.com/office/drawing/2010/main">
+                <a:solidFill>
+                  <a:srgbClr val="FFFFFF"/>
+                </a:solidFill>
+              </a14:hiddenFill>
+            </a:ext>
+          </a:extLst>
+        </p:spPr>
+      </p:pic>
+    </p:spTree>
+    <p:extLst>
+      <p:ext uri="{BB962C8B-B14F-4D97-AF65-F5344CB8AC3E}">
+        <p14:creationId xmlns:p14="http://schemas.microsoft.com/office/powerpoint/2010/main" val="2765736349"/>
+      </p:ext>
+    </p:extLst>
+  </p:cSld>
+  <p:clrMapOvr>
+    <a:masterClrMapping/>
+  </p:clrMapOvr>
+</p:sld>
+</file>
+
+<file path=ppt/slides/slide6.xml><?xml version="1.0" encoding="utf-8"?>
+<p:sld xmlns:a="http://schemas.openxmlformats.org/drawingml/2006/main" xmlns:r="http://schemas.openxmlformats.org/officeDocument/2006/relationships" xmlns:p="http://schemas.openxmlformats.org/presentationml/2006/main">
+  <p:cSld>
+    <p:spTree>
+      <p:nvGrpSpPr>
+        <p:cNvPr id="1" name=""/>
+        <p:cNvGrpSpPr/>
+        <p:nvPr/>
+      </p:nvGrpSpPr>
+      <p:grpSpPr>
+        <a:xfrm>
+          <a:off x="0" y="0"/>
+          <a:ext cx="0" cy="0"/>
+          <a:chOff x="0" y="0"/>
+          <a:chExt cx="0" cy="0"/>
+        </a:xfrm>
+      </p:grpSpPr>
+      <p:sp>
+        <p:nvSpPr>
+          <p:cNvPr id="2" name="Title 1"/>
+          <p:cNvSpPr>
+            <a:spLocks noGrp="1"/>
+          </p:cNvSpPr>
+          <p:nvPr>
+            <p:ph type="title"/>
+          </p:nvPr>
+        </p:nvSpPr>
+        <p:spPr/>
+        <p:txBody>
+          <a:bodyPr/>
+          <a:lstStyle/>
+          <a:p>
+            <a:r>
+              <a:rPr lang="en-US" dirty="0" smtClean="0"/>
+              <a:t>DevOps methodology</a:t>
+            </a:r>
+            <a:endParaRPr lang="en-US" dirty="0"/>
+          </a:p>
+        </p:txBody>
+      </p:sp>
+      <p:pic>
+        <p:nvPicPr>
+          <p:cNvPr id="4" name="Content Placeholder 3"/>
+          <p:cNvPicPr>
+            <a:picLocks noGrp="1" noChangeAspect="1"/>
+          </p:cNvPicPr>
+          <p:nvPr>
+            <p:ph idx="1"/>
+          </p:nvPr>
+        </p:nvPicPr>
+        <p:blipFill>
+          <a:blip r:embed="rId2">
+            <a:extLst>
+              <a:ext uri="{28A0092B-C50C-407E-A947-70E740481C1C}">
+                <a14:useLocalDpi xmlns:a14="http://schemas.microsoft.com/office/drawing/2010/main" val="0"/>
+              </a:ext>
+            </a:extLst>
+          </a:blip>
+          <a:stretch>
+            <a:fillRect/>
+          </a:stretch>
+        </p:blipFill>
+        <p:spPr>
+          <a:xfrm>
+            <a:off x="1868377" y="1825625"/>
+            <a:ext cx="8455246" cy="4351338"/>
+          </a:xfrm>
+        </p:spPr>
+      </p:pic>
+    </p:spTree>
+    <p:extLst>
+      <p:ext uri="{BB962C8B-B14F-4D97-AF65-F5344CB8AC3E}">
+        <p14:creationId xmlns:p14="http://schemas.microsoft.com/office/powerpoint/2010/main" val="2087592796"/>
+      </p:ext>
+    </p:extLst>
+  </p:cSld>
+  <p:clrMapOvr>
+    <a:masterClrMapping/>
+  </p:clrMapOvr>
+</p:sld>
+</file>
+
+<file path=ppt/slides/slide7.xml><?xml version="1.0" encoding="utf-8"?>
+<p:sld xmlns:a="http://schemas.openxmlformats.org/drawingml/2006/main" xmlns:r="http://schemas.openxmlformats.org/officeDocument/2006/relationships" xmlns:p="http://schemas.openxmlformats.org/presentationml/2006/main">
+  <p:cSld>
+    <p:spTree>
+      <p:nvGrpSpPr>
+        <p:cNvPr id="1" name=""/>
+        <p:cNvGrpSpPr/>
+        <p:nvPr/>
+      </p:nvGrpSpPr>
+      <p:grpSpPr>
+        <a:xfrm>
+          <a:off x="0" y="0"/>
+          <a:ext cx="0" cy="0"/>
+          <a:chOff x="0" y="0"/>
+          <a:chExt cx="0" cy="0"/>
+        </a:xfrm>
+      </p:grpSpPr>
+      <p:sp>
+        <p:nvSpPr>
+          <p:cNvPr id="2" name="Title 1"/>
+          <p:cNvSpPr>
+            <a:spLocks noGrp="1"/>
+          </p:cNvSpPr>
+          <p:nvPr>
+            <p:ph type="title"/>
+          </p:nvPr>
+        </p:nvSpPr>
+        <p:spPr/>
+        <p:txBody>
+          <a:bodyPr/>
+          <a:lstStyle/>
+          <a:p>
+            <a:r>
+              <a:rPr lang="en-US" dirty="0" smtClean="0"/>
+              <a:t>DevOps</a:t>
+            </a:r>
+            <a:endParaRPr lang="en-US" dirty="0"/>
+          </a:p>
+        </p:txBody>
+      </p:sp>
+      <p:sp>
+        <p:nvSpPr>
+          <p:cNvPr id="3" name="Content Placeholder 2"/>
+          <p:cNvSpPr>
+            <a:spLocks noGrp="1"/>
+          </p:cNvSpPr>
+          <p:nvPr>
+            <p:ph idx="1"/>
+          </p:nvPr>
+        </p:nvSpPr>
+        <p:spPr/>
+        <p:txBody>
+          <a:bodyPr/>
+          <a:lstStyle/>
+          <a:p>
+            <a:r>
+              <a:rPr lang="en-US" dirty="0" smtClean="0"/>
+              <a:t>So we will use DevOps methodology in order </a:t>
+            </a:r>
+            <a:r>
+              <a:rPr lang="en-US" dirty="0"/>
+              <a:t>to decrease human </a:t>
+            </a:r>
+            <a:r>
+              <a:rPr lang="en-US" dirty="0" smtClean="0"/>
+              <a:t>intervention so will avoid mistakes</a:t>
+            </a:r>
+          </a:p>
+          <a:p>
+            <a:r>
+              <a:rPr lang="en-US" dirty="0" smtClean="0"/>
+              <a:t>improve the quality and speed</a:t>
+            </a:r>
+          </a:p>
+          <a:p>
+            <a:r>
+              <a:rPr lang="en-US" dirty="0" smtClean="0"/>
+              <a:t>We will integrate </a:t>
+            </a:r>
+            <a:r>
+              <a:rPr lang="en-US" dirty="0" err="1" smtClean="0"/>
+              <a:t>devops</a:t>
+            </a:r>
+            <a:r>
+              <a:rPr lang="en-US" dirty="0" smtClean="0"/>
+              <a:t> tools together </a:t>
+            </a:r>
+          </a:p>
+          <a:p>
+            <a:r>
+              <a:rPr lang="en-US" dirty="0"/>
+              <a:t>It aims to shorten the systems development life cycle and provide continuous delivery with high software quality</a:t>
+            </a:r>
+          </a:p>
+        </p:txBody>
+      </p:sp>
+    </p:spTree>
+    <p:extLst>
+      <p:ext uri="{BB962C8B-B14F-4D97-AF65-F5344CB8AC3E}">
+        <p14:creationId xmlns:p14="http://schemas.microsoft.com/office/powerpoint/2010/main" val="45936125"/>
+      </p:ext>
+    </p:extLst>
+  </p:cSld>
+  <p:clrMapOvr>
+    <a:masterClrMapping/>
+  </p:clrMapOvr>
+</p:sld>
+</file>
+
+<file path=ppt/slides/slide8.xml><?xml version="1.0" encoding="utf-8"?>
+<p:sld xmlns:a="http://schemas.openxmlformats.org/drawingml/2006/main" xmlns:r="http://schemas.openxmlformats.org/officeDocument/2006/relationships" xmlns:p="http://schemas.openxmlformats.org/presentationml/2006/main">
+  <p:cSld>
+    <p:spTree>
+      <p:nvGrpSpPr>
+        <p:cNvPr id="1" name=""/>
+        <p:cNvGrpSpPr/>
+        <p:nvPr/>
+      </p:nvGrpSpPr>
+      <p:grpSpPr>
+        <a:xfrm>
+          <a:off x="0" y="0"/>
+          <a:ext cx="0" cy="0"/>
+          <a:chOff x="0" y="0"/>
+          <a:chExt cx="0" cy="0"/>
+        </a:xfrm>
+      </p:grpSpPr>
+      <p:sp>
+        <p:nvSpPr>
+          <p:cNvPr id="2" name="Title 1"/>
+          <p:cNvSpPr>
+            <a:spLocks noGrp="1"/>
+          </p:cNvSpPr>
+          <p:nvPr>
+            <p:ph type="title"/>
+          </p:nvPr>
+        </p:nvSpPr>
+        <p:spPr/>
+        <p:txBody>
+          <a:bodyPr/>
+          <a:lstStyle/>
+          <a:p>
+            <a:r>
+              <a:rPr lang="en-US" dirty="0" smtClean="0"/>
+              <a:t>The solution</a:t>
+            </a:r>
+            <a:endParaRPr lang="en-US" dirty="0"/>
+          </a:p>
+        </p:txBody>
+      </p:sp>
+      <p:sp>
+        <p:nvSpPr>
+          <p:cNvPr id="3" name="Content Placeholder 2"/>
+          <p:cNvSpPr>
+            <a:spLocks noGrp="1"/>
+          </p:cNvSpPr>
+          <p:nvPr>
+            <p:ph idx="1"/>
+          </p:nvPr>
+        </p:nvSpPr>
+        <p:spPr/>
+        <p:txBody>
+          <a:bodyPr>
+            <a:normAutofit/>
+          </a:bodyPr>
+          <a:lstStyle/>
+          <a:p>
+            <a:r>
+              <a:rPr lang="en-US" dirty="0" smtClean="0"/>
+              <a:t>We will install terraform in our local machine </a:t>
+            </a:r>
+          </a:p>
+          <a:p>
+            <a:r>
+              <a:rPr lang="en-US" dirty="0" smtClean="0"/>
+              <a:t>Create account in AWS and name it : </a:t>
+            </a:r>
+            <a:r>
+              <a:rPr lang="en-US" dirty="0" err="1" smtClean="0">
+                <a:solidFill>
+                  <a:schemeClr val="accent5">
+                    <a:lumMod val="75000"/>
+                  </a:schemeClr>
+                </a:solidFill>
+              </a:rPr>
+              <a:t>terraformuser</a:t>
+            </a:r>
+            <a:r>
+              <a:rPr lang="en-US" dirty="0" smtClean="0"/>
+              <a:t> with full access Ec2 permissions</a:t>
+            </a:r>
+          </a:p>
+          <a:p>
+            <a:r>
+              <a:rPr lang="en-US" dirty="0" smtClean="0"/>
+              <a:t>Install </a:t>
+            </a:r>
+            <a:r>
+              <a:rPr lang="en-US" dirty="0" err="1" smtClean="0"/>
+              <a:t>kubernetes</a:t>
+            </a:r>
+            <a:r>
+              <a:rPr lang="en-US" dirty="0" smtClean="0"/>
+              <a:t> cluster using the terraform</a:t>
+            </a:r>
+          </a:p>
+          <a:p>
+            <a:r>
+              <a:rPr lang="en-US" dirty="0" smtClean="0"/>
+              <a:t>Will install </a:t>
+            </a:r>
+            <a:r>
+              <a:rPr lang="en-US" dirty="0" err="1" smtClean="0"/>
+              <a:t>ansible</a:t>
+            </a:r>
+            <a:r>
+              <a:rPr lang="en-US" dirty="0" smtClean="0"/>
+              <a:t> in our local machine, and the host will be the created cluster</a:t>
+            </a:r>
+          </a:p>
+          <a:p>
+            <a:r>
+              <a:rPr lang="en-US" dirty="0" smtClean="0"/>
+              <a:t>Will let </a:t>
+            </a:r>
+            <a:r>
+              <a:rPr lang="en-US" dirty="0" err="1" smtClean="0"/>
+              <a:t>ansible</a:t>
+            </a:r>
+            <a:r>
+              <a:rPr lang="en-US" dirty="0" smtClean="0"/>
+              <a:t> deploy Jenkins</a:t>
+            </a:r>
+            <a:r>
+              <a:rPr lang="en-US" dirty="0"/>
+              <a:t>, </a:t>
+            </a:r>
+            <a:r>
+              <a:rPr lang="en-US" dirty="0" err="1"/>
+              <a:t>SonarQube</a:t>
+            </a:r>
+            <a:r>
+              <a:rPr lang="en-US" dirty="0"/>
+              <a:t>, </a:t>
+            </a:r>
+            <a:r>
+              <a:rPr lang="en-US" dirty="0" smtClean="0"/>
+              <a:t>Nexus to the host </a:t>
+            </a:r>
+            <a:r>
+              <a:rPr lang="en-US" dirty="0" smtClean="0"/>
+              <a:t>(our Kubernetes Cluster</a:t>
+            </a:r>
+            <a:r>
+              <a:rPr lang="en-US" dirty="0" smtClean="0"/>
+              <a:t>)</a:t>
+            </a:r>
+          </a:p>
+          <a:p>
+            <a:pPr marL="0" indent="0">
+              <a:buNone/>
+            </a:pPr>
+            <a:endParaRPr lang="en-US" dirty="0"/>
+          </a:p>
+        </p:txBody>
+      </p:sp>
+    </p:spTree>
+    <p:extLst>
+      <p:ext uri="{BB962C8B-B14F-4D97-AF65-F5344CB8AC3E}">
+        <p14:creationId xmlns:p14="http://schemas.microsoft.com/office/powerpoint/2010/main" val="1754837328"/>
       </p:ext>
     </p:extLst>
   </p:cSld>
@@ -4186,124 +4471,45 @@
           <a:p>
             <a:r>
               <a:rPr lang="en-US" dirty="0" smtClean="0"/>
-              <a:t>The solution</a:t>
+              <a:t>Kubernetes with IAAS</a:t>
             </a:r>
             <a:endParaRPr lang="en-US" dirty="0"/>
           </a:p>
         </p:txBody>
       </p:sp>
-      <p:sp>
-        <p:nvSpPr>
-          <p:cNvPr id="3" name="Content Placeholder 2"/>
-          <p:cNvSpPr>
-            <a:spLocks noGrp="1"/>
-          </p:cNvSpPr>
+      <p:pic>
+        <p:nvPicPr>
+          <p:cNvPr id="4" name="Content Placeholder 3"/>
+          <p:cNvPicPr>
+            <a:picLocks noGrp="1" noChangeAspect="1"/>
+          </p:cNvPicPr>
           <p:nvPr>
             <p:ph idx="1"/>
           </p:nvPr>
-        </p:nvSpPr>
-        <p:spPr/>
-        <p:txBody>
-          <a:bodyPr>
-            <a:normAutofit/>
-          </a:bodyPr>
-          <a:lstStyle/>
-          <a:p>
-            <a:r>
-              <a:rPr lang="en-US" dirty="0" smtClean="0"/>
-              <a:t>We will install terraform in our local machine </a:t>
-            </a:r>
-          </a:p>
-          <a:p>
-            <a:r>
-              <a:rPr lang="en-US" dirty="0" smtClean="0"/>
-              <a:t>Create account in AWS and name it : </a:t>
-            </a:r>
-            <a:r>
-              <a:rPr lang="en-US" dirty="0" err="1" smtClean="0">
-                <a:solidFill>
-                  <a:schemeClr val="accent5">
-                    <a:lumMod val="75000"/>
-                  </a:schemeClr>
-                </a:solidFill>
-              </a:rPr>
-              <a:t>terraformuser</a:t>
-            </a:r>
-            <a:r>
-              <a:rPr lang="en-US" dirty="0" smtClean="0"/>
-              <a:t> with full access Ec2 permissions</a:t>
-            </a:r>
-          </a:p>
-          <a:p>
-            <a:r>
-              <a:rPr lang="en-US" dirty="0" smtClean="0"/>
-              <a:t>Install </a:t>
-            </a:r>
-            <a:r>
-              <a:rPr lang="en-US" dirty="0" err="1" smtClean="0"/>
-              <a:t>kubernetes</a:t>
-            </a:r>
-            <a:r>
-              <a:rPr lang="en-US" dirty="0" smtClean="0"/>
-              <a:t> cluster using the terraform</a:t>
-            </a:r>
-          </a:p>
-          <a:p>
-            <a:r>
-              <a:rPr lang="en-US" dirty="0" smtClean="0"/>
-              <a:t>Will install </a:t>
-            </a:r>
-            <a:r>
-              <a:rPr lang="en-US" dirty="0" err="1" smtClean="0"/>
-              <a:t>ansible</a:t>
-            </a:r>
-            <a:r>
-              <a:rPr lang="en-US" dirty="0" smtClean="0"/>
-              <a:t> in our local machine, and the host will be the created cluster</a:t>
-            </a:r>
-          </a:p>
-          <a:p>
-            <a:r>
-              <a:rPr lang="en-US" dirty="0" smtClean="0"/>
-              <a:t>Will let </a:t>
-            </a:r>
-            <a:r>
-              <a:rPr lang="en-US" dirty="0" err="1" smtClean="0"/>
-              <a:t>ansible</a:t>
-            </a:r>
-            <a:r>
-              <a:rPr lang="en-US" dirty="0" smtClean="0"/>
-              <a:t> deploy Jenkins</a:t>
-            </a:r>
-            <a:r>
-              <a:rPr lang="en-US" dirty="0"/>
-              <a:t>, </a:t>
-            </a:r>
-            <a:r>
-              <a:rPr lang="en-US" dirty="0" err="1"/>
-              <a:t>SonarQube</a:t>
-            </a:r>
-            <a:r>
-              <a:rPr lang="en-US" dirty="0"/>
-              <a:t>, </a:t>
-            </a:r>
-            <a:r>
-              <a:rPr lang="en-US" dirty="0" smtClean="0"/>
-              <a:t>Nexus to the host (Cluster)</a:t>
-            </a:r>
-          </a:p>
-          <a:p>
-            <a:pPr marL="0" indent="0">
-              <a:buNone/>
-            </a:pPr>
-            <a:endParaRPr lang="en-US" dirty="0"/>
-          </a:p>
-        </p:txBody>
-      </p:sp>
+        </p:nvPicPr>
+        <p:blipFill>
+          <a:blip r:embed="rId2">
+            <a:extLst>
+              <a:ext uri="{28A0092B-C50C-407E-A947-70E740481C1C}">
+                <a14:useLocalDpi xmlns:a14="http://schemas.microsoft.com/office/drawing/2010/main" val="0"/>
+              </a:ext>
+            </a:extLst>
+          </a:blip>
+          <a:stretch>
+            <a:fillRect/>
+          </a:stretch>
+        </p:blipFill>
+        <p:spPr>
+          <a:xfrm>
+            <a:off x="1151298" y="1825625"/>
+            <a:ext cx="9889404" cy="4351338"/>
+          </a:xfrm>
+        </p:spPr>
+      </p:pic>
     </p:spTree>
     <p:extLst>
       <p:ext uri="{BB962C8B-B14F-4D97-AF65-F5344CB8AC3E}">
-        <p14:creationId xmlns:p14="http://schemas.microsoft.com/office/powerpoint/2010/main" val="1754837328"/>
+        <p14:creationId xmlns:p14="http://schemas.microsoft.com/office/powerpoint/2010/main" val="3705069842"/>
       </p:ext>
     </p:extLst>
   </p:cSld>
